--- a/The Art of Painting.pptx
+++ b/The Art of Painting.pptx
@@ -113,6 +113,11 @@
       </a:defRPr>
     </a:lvl9pPr>
   </p:defaultTextStyle>
+  <p:extLst>
+    <p:ext uri="{EFAFB233-063F-42B5-8137-9DF3F51BA10A}">
+      <p15:sldGuideLst xmlns:p15="http://schemas.microsoft.com/office/powerpoint/2012/main"/>
+    </p:ext>
+  </p:extLst>
 </p:presentation>
 </file>
 
@@ -198,7 +203,7 @@
           <a:p>
             <a:fld id="{953564B7-EDD9-485C-AEDE-F62D9452C494}" type="datetimeFigureOut">
               <a:rPr lang="en-GB" smtClean="0"/>
-              <a:t>26/03/2017</a:t>
+              <a:t>02/04/2017</a:t>
             </a:fld>
             <a:endParaRPr lang="en-GB"/>
           </a:p>
@@ -6318,8 +6323,13 @@
           <a:p>
             <a:r>
               <a:rPr lang="bg-BG" sz="1200" dirty="0" smtClean="0"/>
-              <a:t>Мартин Стаменов</a:t>
-            </a:r>
+              <a:t>Мартин </a:t>
+            </a:r>
+            <a:r>
+              <a:rPr lang="bg-BG" sz="1200" smtClean="0"/>
+              <a:t>Стаменков</a:t>
+            </a:r>
+            <a:endParaRPr lang="bg-BG" sz="1200" dirty="0" smtClean="0"/>
           </a:p>
           <a:p>
             <a:r>
